--- a/levels/PowerPoint-LevelDesigner.pptx
+++ b/levels/PowerPoint-LevelDesigner.pptx
@@ -342,7 +342,7 @@
           <a:p>
             <a:fld id="{DE84B274-A72A-BB46-A715-9277046C2472}" type="datetimeFigureOut">
               <a:rPr lang="en-US" smtClean="0"/>
-              <a:t>7/28/16</a:t>
+              <a:t>7/30/16</a:t>
             </a:fld>
             <a:endParaRPr lang="en-US"/>
           </a:p>
@@ -878,7 +878,7 @@
           <a:p>
             <a:fld id="{95B6841D-438B-954F-A4DF-5D9C2BFE580A}" type="datetimeFigureOut">
               <a:rPr lang="en-US" smtClean="0"/>
-              <a:t>7/28/16</a:t>
+              <a:t>7/30/16</a:t>
             </a:fld>
             <a:endParaRPr lang="en-US"/>
           </a:p>
@@ -1056,7 +1056,7 @@
           <a:p>
             <a:fld id="{653C758E-30DB-DD4E-9BAD-7BE1DD19B6CB}" type="datetimeFigureOut">
               <a:rPr lang="en-US" smtClean="0"/>
-              <a:t>7/28/16</a:t>
+              <a:t>7/30/16</a:t>
             </a:fld>
             <a:endParaRPr lang="en-US"/>
           </a:p>
@@ -1108,6 +1108,65 @@
     <p:extLst>
       <p:ext uri="{BB962C8B-B14F-4D97-AF65-F5344CB8AC3E}">
         <p14:creationId xmlns:p14="http://schemas.microsoft.com/office/powerpoint/2010/main" val="3693671117"/>
+      </p:ext>
+    </p:extLst>
+  </p:cSld>
+  <p:clrMapOvr>
+    <a:masterClrMapping/>
+  </p:clrMapOvr>
+</p:sldLayout>
+</file>
+
+<file path=ppt/slideLayouts/slideLayout3.xml><?xml version="1.0" encoding="utf-8"?>
+<p:sldLayout xmlns:a="http://schemas.openxmlformats.org/drawingml/2006/main" xmlns:r="http://schemas.openxmlformats.org/officeDocument/2006/relationships" xmlns:p="http://schemas.openxmlformats.org/presentationml/2006/main" preserve="1" userDrawn="1">
+  <p:cSld name="Custom Layout">
+    <p:spTree>
+      <p:nvGrpSpPr>
+        <p:cNvPr id="1" name=""/>
+        <p:cNvGrpSpPr/>
+        <p:nvPr/>
+      </p:nvGrpSpPr>
+      <p:grpSpPr>
+        <a:xfrm>
+          <a:off x="0" y="0"/>
+          <a:ext cx="0" cy="0"/>
+          <a:chOff x="0" y="0"/>
+          <a:chExt cx="0" cy="0"/>
+        </a:xfrm>
+      </p:grpSpPr>
+      <p:pic>
+        <p:nvPicPr>
+          <p:cNvPr id="7" name="Picture 6"/>
+          <p:cNvPicPr>
+            <a:picLocks noChangeAspect="1"/>
+          </p:cNvPicPr>
+          <p:nvPr userDrawn="1"/>
+        </p:nvPicPr>
+        <p:blipFill rotWithShape="1">
+          <a:blip r:embed="rId2">
+            <a:extLst>
+              <a:ext uri="{28A0092B-C50C-407E-A947-70E740481C1C}">
+                <a14:useLocalDpi xmlns:a14="http://schemas.microsoft.com/office/drawing/2010/main" val="0"/>
+              </a:ext>
+            </a:extLst>
+          </a:blip>
+          <a:srcRect l="21559" t="15261" r="20648" b="15856"/>
+          <a:stretch/>
+        </p:blipFill>
+        <p:spPr>
+          <a:xfrm>
+            <a:off x="904867" y="49427"/>
+            <a:ext cx="7473015" cy="6709719"/>
+          </a:xfrm>
+          <a:prstGeom prst="rect">
+            <a:avLst/>
+          </a:prstGeom>
+        </p:spPr>
+      </p:pic>
+    </p:spTree>
+    <p:extLst>
+      <p:ext uri="{BB962C8B-B14F-4D97-AF65-F5344CB8AC3E}">
+        <p14:creationId xmlns:p14="http://schemas.microsoft.com/office/powerpoint/2010/main" val="1715669716"/>
       </p:ext>
     </p:extLst>
   </p:cSld>
@@ -1207,7 +1266,7 @@
           <a:p>
             <a:fld id="{95B6841D-438B-954F-A4DF-5D9C2BFE580A}" type="datetimeFigureOut">
               <a:rPr lang="en-US" smtClean="0"/>
-              <a:t>7/28/16</a:t>
+              <a:t>7/30/16</a:t>
             </a:fld>
             <a:endParaRPr lang="en-US"/>
           </a:p>
@@ -1302,6 +1361,7 @@
   <p:sldLayoutIdLst>
     <p:sldLayoutId id="2147483700" r:id="rId1"/>
     <p:sldLayoutId id="2147483701" r:id="rId2"/>
+    <p:sldLayoutId id="2147483702" r:id="rId3"/>
   </p:sldLayoutIdLst>
   <p:txStyles>
     <p:titleStyle>
@@ -2015,35 +2075,6 @@
           <a:chExt cx="0" cy="0"/>
         </a:xfrm>
       </p:grpSpPr>
-      <p:pic>
-        <p:nvPicPr>
-          <p:cNvPr id="15" name="Picture 14"/>
-          <p:cNvPicPr>
-            <a:picLocks noChangeAspect="1"/>
-          </p:cNvPicPr>
-          <p:nvPr/>
-        </p:nvPicPr>
-        <p:blipFill rotWithShape="1">
-          <a:blip r:embed="rId2">
-            <a:extLst>
-              <a:ext uri="{28A0092B-C50C-407E-A947-70E740481C1C}">
-                <a14:useLocalDpi xmlns:a14="http://schemas.microsoft.com/office/drawing/2010/main" val="0"/>
-              </a:ext>
-            </a:extLst>
-          </a:blip>
-          <a:srcRect l="21559" t="14372" r="20648" b="11861"/>
-          <a:stretch/>
-        </p:blipFill>
-        <p:spPr>
-          <a:xfrm>
-            <a:off x="904867" y="-37071"/>
-            <a:ext cx="7473015" cy="7185427"/>
-          </a:xfrm>
-          <a:prstGeom prst="rect">
-            <a:avLst/>
-          </a:prstGeom>
-        </p:spPr>
-      </p:pic>
       <p:sp>
         <p:nvSpPr>
           <p:cNvPr id="14" name="Parallelogram 13"/>
@@ -2454,35 +2485,6 @@
           <a:chExt cx="0" cy="0"/>
         </a:xfrm>
       </p:grpSpPr>
-      <p:pic>
-        <p:nvPicPr>
-          <p:cNvPr id="15" name="Picture 14"/>
-          <p:cNvPicPr>
-            <a:picLocks noChangeAspect="1"/>
-          </p:cNvPicPr>
-          <p:nvPr/>
-        </p:nvPicPr>
-        <p:blipFill rotWithShape="1">
-          <a:blip r:embed="rId2">
-            <a:extLst>
-              <a:ext uri="{28A0092B-C50C-407E-A947-70E740481C1C}">
-                <a14:useLocalDpi xmlns:a14="http://schemas.microsoft.com/office/drawing/2010/main" val="0"/>
-              </a:ext>
-            </a:extLst>
-          </a:blip>
-          <a:srcRect l="21559" t="15261" r="20648" b="15856"/>
-          <a:stretch/>
-        </p:blipFill>
-        <p:spPr>
-          <a:xfrm>
-            <a:off x="904867" y="49427"/>
-            <a:ext cx="7473015" cy="6709719"/>
-          </a:xfrm>
-          <a:prstGeom prst="rect">
-            <a:avLst/>
-          </a:prstGeom>
-        </p:spPr>
-      </p:pic>
       <p:sp>
         <p:nvSpPr>
           <p:cNvPr id="14" name="Parallelogram 13"/>
@@ -3165,19 +3167,11 @@
             </a:r>
             <a:r>
               <a:rPr lang="en-US" smtClean="0"/>
-              <a:t>the </a:t>
-            </a:r>
-            <a:r>
-              <a:rPr lang="en-US" smtClean="0"/>
-              <a:t>levels/PowerPoint </a:t>
+              <a:t>the levels/PowerPoint </a:t>
             </a:r>
             <a:r>
               <a:rPr lang="en-US" dirty="0" smtClean="0"/>
-              <a:t>folder </a:t>
-            </a:r>
-            <a:r>
-              <a:rPr lang="en-US" dirty="0" smtClean="0"/>
-              <a:t>with a unique, descriptive name.</a:t>
+              <a:t>folder with a unique, descriptive name.</a:t>
             </a:r>
           </a:p>
           <a:p>
